--- a/class_2_2/class_2_2.pptx
+++ b/class_2_2/class_2_2.pptx
@@ -210,7 +210,7 @@
           <a:p>
             <a:fld id="{8E5940E0-E864-DF4A-BD26-2C2246AC4E05}" type="datetimeFigureOut">
               <a:rPr lang="en-US" smtClean="0"/>
-              <a:t>6/7/20</a:t>
+              <a:t>6/12/20</a:t>
             </a:fld>
             <a:endParaRPr lang="en-US"/>
           </a:p>
@@ -708,7 +708,7 @@
           <a:p>
             <a:fld id="{B4805629-43F6-3C4F-A3A1-18FEAB524198}" type="datetimeFigureOut">
               <a:rPr lang="en-US" smtClean="0"/>
-              <a:t>6/7/20</a:t>
+              <a:t>6/12/20</a:t>
             </a:fld>
             <a:endParaRPr lang="en-US"/>
           </a:p>
@@ -906,7 +906,7 @@
           <a:p>
             <a:fld id="{B4805629-43F6-3C4F-A3A1-18FEAB524198}" type="datetimeFigureOut">
               <a:rPr lang="en-US" smtClean="0"/>
-              <a:t>6/7/20</a:t>
+              <a:t>6/12/20</a:t>
             </a:fld>
             <a:endParaRPr lang="en-US"/>
           </a:p>
@@ -1114,7 +1114,7 @@
           <a:p>
             <a:fld id="{B4805629-43F6-3C4F-A3A1-18FEAB524198}" type="datetimeFigureOut">
               <a:rPr lang="en-US" smtClean="0"/>
-              <a:t>6/7/20</a:t>
+              <a:t>6/12/20</a:t>
             </a:fld>
             <a:endParaRPr lang="en-US"/>
           </a:p>
@@ -1312,7 +1312,7 @@
           <a:p>
             <a:fld id="{B4805629-43F6-3C4F-A3A1-18FEAB524198}" type="datetimeFigureOut">
               <a:rPr lang="en-US" smtClean="0"/>
-              <a:t>6/7/20</a:t>
+              <a:t>6/12/20</a:t>
             </a:fld>
             <a:endParaRPr lang="en-US"/>
           </a:p>
@@ -1587,7 +1587,7 @@
           <a:p>
             <a:fld id="{B4805629-43F6-3C4F-A3A1-18FEAB524198}" type="datetimeFigureOut">
               <a:rPr lang="en-US" smtClean="0"/>
-              <a:t>6/7/20</a:t>
+              <a:t>6/12/20</a:t>
             </a:fld>
             <a:endParaRPr lang="en-US"/>
           </a:p>
@@ -1852,7 +1852,7 @@
           <a:p>
             <a:fld id="{B4805629-43F6-3C4F-A3A1-18FEAB524198}" type="datetimeFigureOut">
               <a:rPr lang="en-US" smtClean="0"/>
-              <a:t>6/7/20</a:t>
+              <a:t>6/12/20</a:t>
             </a:fld>
             <a:endParaRPr lang="en-US"/>
           </a:p>
@@ -2264,7 +2264,7 @@
           <a:p>
             <a:fld id="{B4805629-43F6-3C4F-A3A1-18FEAB524198}" type="datetimeFigureOut">
               <a:rPr lang="en-US" smtClean="0"/>
-              <a:t>6/7/20</a:t>
+              <a:t>6/12/20</a:t>
             </a:fld>
             <a:endParaRPr lang="en-US"/>
           </a:p>
@@ -2405,7 +2405,7 @@
           <a:p>
             <a:fld id="{B4805629-43F6-3C4F-A3A1-18FEAB524198}" type="datetimeFigureOut">
               <a:rPr lang="en-US" smtClean="0"/>
-              <a:t>6/7/20</a:t>
+              <a:t>6/12/20</a:t>
             </a:fld>
             <a:endParaRPr lang="en-US"/>
           </a:p>
@@ -2518,7 +2518,7 @@
           <a:p>
             <a:fld id="{B4805629-43F6-3C4F-A3A1-18FEAB524198}" type="datetimeFigureOut">
               <a:rPr lang="en-US" smtClean="0"/>
-              <a:t>6/7/20</a:t>
+              <a:t>6/12/20</a:t>
             </a:fld>
             <a:endParaRPr lang="en-US"/>
           </a:p>
@@ -2829,7 +2829,7 @@
           <a:p>
             <a:fld id="{B4805629-43F6-3C4F-A3A1-18FEAB524198}" type="datetimeFigureOut">
               <a:rPr lang="en-US" smtClean="0"/>
-              <a:t>6/7/20</a:t>
+              <a:t>6/12/20</a:t>
             </a:fld>
             <a:endParaRPr lang="en-US"/>
           </a:p>
@@ -3117,7 +3117,7 @@
           <a:p>
             <a:fld id="{B4805629-43F6-3C4F-A3A1-18FEAB524198}" type="datetimeFigureOut">
               <a:rPr lang="en-US" smtClean="0"/>
-              <a:t>6/7/20</a:t>
+              <a:t>6/12/20</a:t>
             </a:fld>
             <a:endParaRPr lang="en-US"/>
           </a:p>
@@ -3358,7 +3358,7 @@
           <a:p>
             <a:fld id="{B4805629-43F6-3C4F-A3A1-18FEAB524198}" type="datetimeFigureOut">
               <a:rPr lang="en-US" smtClean="0"/>
-              <a:t>6/7/20</a:t>
+              <a:t>6/12/20</a:t>
             </a:fld>
             <a:endParaRPr lang="en-US"/>
           </a:p>
@@ -4069,11 +4069,11 @@
               <a:t> </a:t>
             </a:r>
             <a:r>
-              <a:rPr lang="en-US" sz="2400" dirty="0" err="1">
+              <a:rPr lang="en-US" sz="2400">
                 <a:latin typeface="Consolas" panose="020B0609020204030204" pitchFamily="49" charset="0"/>
                 <a:cs typeface="Consolas" panose="020B0609020204030204" pitchFamily="49" charset="0"/>
               </a:rPr>
-              <a:t>jobid</a:t>
+              <a:t>script.sh</a:t>
             </a:r>
             <a:endParaRPr lang="en-US" dirty="0">
               <a:latin typeface="Consolas" panose="020B0609020204030204" pitchFamily="49" charset="0"/>
